--- a/Turma Home Jan2018/1° Sabado/Aula 2/Aula de Excel 2.pptx
+++ b/Turma Home Jan2018/1° Sabado/Aula 2/Aula de Excel 2.pptx
@@ -5,14 +5,13 @@
     <p:sldMasterId id="2147483678" r:id="rId1"/>
   </p:sldMasterIdLst>
   <p:notesMasterIdLst>
-    <p:notesMasterId r:id="rId7"/>
+    <p:notesMasterId r:id="rId6"/>
   </p:notesMasterIdLst>
   <p:sldIdLst>
     <p:sldId id="256" r:id="rId2"/>
     <p:sldId id="258" r:id="rId3"/>
     <p:sldId id="290" r:id="rId4"/>
     <p:sldId id="291" r:id="rId5"/>
-    <p:sldId id="292" r:id="rId6"/>
   </p:sldIdLst>
   <p:sldSz cx="12192000" cy="6858000"/>
   <p:notesSz cx="6858000" cy="9144000"/>
@@ -201,7 +200,7 @@
           <a:p>
             <a:fld id="{184BBF33-DD10-46B2-A0A7-44165F3356F0}" type="datetimeFigureOut">
               <a:rPr lang="pt-BR" smtClean="0"/>
-              <a:t>11/01/2019</a:t>
+              <a:t>12/01/2019</a:t>
             </a:fld>
             <a:endParaRPr lang="pt-BR"/>
           </a:p>
@@ -647,7 +646,7 @@
           <a:p>
             <a:fld id="{11612DAF-FD73-4975-A585-30AE5A550125}" type="datetimeFigureOut">
               <a:rPr lang="pt-BR" smtClean="0"/>
-              <a:t>11/01/2019</a:t>
+              <a:t>12/01/2019</a:t>
             </a:fld>
             <a:endParaRPr lang="pt-BR"/>
           </a:p>
@@ -827,7 +826,7 @@
           <a:p>
             <a:fld id="{11612DAF-FD73-4975-A585-30AE5A550125}" type="datetimeFigureOut">
               <a:rPr lang="pt-BR" smtClean="0"/>
-              <a:t>11/01/2019</a:t>
+              <a:t>12/01/2019</a:t>
             </a:fld>
             <a:endParaRPr lang="pt-BR"/>
           </a:p>
@@ -1017,7 +1016,7 @@
           <a:p>
             <a:fld id="{11612DAF-FD73-4975-A585-30AE5A550125}" type="datetimeFigureOut">
               <a:rPr lang="pt-BR" smtClean="0"/>
-              <a:t>11/01/2019</a:t>
+              <a:t>12/01/2019</a:t>
             </a:fld>
             <a:endParaRPr lang="pt-BR"/>
           </a:p>
@@ -1197,7 +1196,7 @@
           <a:p>
             <a:fld id="{11612DAF-FD73-4975-A585-30AE5A550125}" type="datetimeFigureOut">
               <a:rPr lang="pt-BR" smtClean="0"/>
-              <a:t>11/01/2019</a:t>
+              <a:t>12/01/2019</a:t>
             </a:fld>
             <a:endParaRPr lang="pt-BR"/>
           </a:p>
@@ -1454,7 +1453,7 @@
           <a:p>
             <a:fld id="{11612DAF-FD73-4975-A585-30AE5A550125}" type="datetimeFigureOut">
               <a:rPr lang="pt-BR" smtClean="0"/>
-              <a:t>11/01/2019</a:t>
+              <a:t>12/01/2019</a:t>
             </a:fld>
             <a:endParaRPr lang="pt-BR"/>
           </a:p>
@@ -1751,7 +1750,7 @@
           <a:p>
             <a:fld id="{11612DAF-FD73-4975-A585-30AE5A550125}" type="datetimeFigureOut">
               <a:rPr lang="pt-BR" smtClean="0"/>
-              <a:t>11/01/2019</a:t>
+              <a:t>12/01/2019</a:t>
             </a:fld>
             <a:endParaRPr lang="pt-BR"/>
           </a:p>
@@ -2187,7 +2186,7 @@
           <a:p>
             <a:fld id="{11612DAF-FD73-4975-A585-30AE5A550125}" type="datetimeFigureOut">
               <a:rPr lang="pt-BR" smtClean="0"/>
-              <a:t>11/01/2019</a:t>
+              <a:t>12/01/2019</a:t>
             </a:fld>
             <a:endParaRPr lang="pt-BR"/>
           </a:p>
@@ -2316,7 +2315,7 @@
           <a:p>
             <a:fld id="{11612DAF-FD73-4975-A585-30AE5A550125}" type="datetimeFigureOut">
               <a:rPr lang="pt-BR" smtClean="0"/>
-              <a:t>11/01/2019</a:t>
+              <a:t>12/01/2019</a:t>
             </a:fld>
             <a:endParaRPr lang="pt-BR"/>
           </a:p>
@@ -2423,7 +2422,7 @@
           <a:p>
             <a:fld id="{11612DAF-FD73-4975-A585-30AE5A550125}" type="datetimeFigureOut">
               <a:rPr lang="pt-BR" smtClean="0"/>
-              <a:t>11/01/2019</a:t>
+              <a:t>12/01/2019</a:t>
             </a:fld>
             <a:endParaRPr lang="pt-BR"/>
           </a:p>
@@ -2710,7 +2709,7 @@
           <a:p>
             <a:fld id="{11612DAF-FD73-4975-A585-30AE5A550125}" type="datetimeFigureOut">
               <a:rPr lang="pt-BR" smtClean="0"/>
-              <a:t>11/01/2019</a:t>
+              <a:t>12/01/2019</a:t>
             </a:fld>
             <a:endParaRPr lang="pt-BR"/>
           </a:p>
@@ -2977,7 +2976,7 @@
           <a:p>
             <a:fld id="{11612DAF-FD73-4975-A585-30AE5A550125}" type="datetimeFigureOut">
               <a:rPr lang="pt-BR" smtClean="0"/>
-              <a:t>11/01/2019</a:t>
+              <a:t>12/01/2019</a:t>
             </a:fld>
             <a:endParaRPr lang="pt-BR"/>
           </a:p>
@@ -3200,7 +3199,7 @@
           <a:p>
             <a:fld id="{11612DAF-FD73-4975-A585-30AE5A550125}" type="datetimeFigureOut">
               <a:rPr lang="pt-BR" smtClean="0"/>
-              <a:t>11/01/2019</a:t>
+              <a:t>12/01/2019</a:t>
             </a:fld>
             <a:endParaRPr lang="pt-BR"/>
           </a:p>
@@ -5149,222 +5148,6 @@
       </p:par>
     </p:tnLst>
   </p:timing>
-</p:sld>
-</file>
-
-<file path=ppt/slides/slide5.xml><?xml version="1.0" encoding="utf-8"?>
-<p:sld xmlns:a="http://schemas.openxmlformats.org/drawingml/2006/main" xmlns:r="http://schemas.openxmlformats.org/officeDocument/2006/relationships" xmlns:p="http://schemas.openxmlformats.org/presentationml/2006/main">
-  <p:cSld>
-    <p:spTree>
-      <p:nvGrpSpPr>
-        <p:cNvPr id="1" name=""/>
-        <p:cNvGrpSpPr/>
-        <p:nvPr/>
-      </p:nvGrpSpPr>
-      <p:grpSpPr>
-        <a:xfrm>
-          <a:off x="0" y="0"/>
-          <a:ext cx="0" cy="0"/>
-          <a:chOff x="0" y="0"/>
-          <a:chExt cx="0" cy="0"/>
-        </a:xfrm>
-      </p:grpSpPr>
-      <p:sp>
-        <p:nvSpPr>
-          <p:cNvPr id="6" name="Retângulo 5"/>
-          <p:cNvSpPr/>
-          <p:nvPr/>
-        </p:nvSpPr>
-        <p:spPr>
-          <a:xfrm flipH="1">
-            <a:off x="-4763" y="165794"/>
-            <a:ext cx="12192000" cy="1309753"/>
-          </a:xfrm>
-          <a:prstGeom prst="rect">
-            <a:avLst/>
-          </a:prstGeom>
-          <a:solidFill>
-            <a:srgbClr val="DC474B"/>
-          </a:solidFill>
-          <a:ln>
-            <a:noFill/>
-          </a:ln>
-          <a:effectLst>
-            <a:glow>
-              <a:schemeClr val="accent1"/>
-            </a:glow>
-          </a:effectLst>
-        </p:spPr>
-        <p:style>
-          <a:lnRef idx="2">
-            <a:schemeClr val="accent1">
-              <a:shade val="50000"/>
-            </a:schemeClr>
-          </a:lnRef>
-          <a:fillRef idx="1">
-            <a:schemeClr val="accent1"/>
-          </a:fillRef>
-          <a:effectRef idx="0">
-            <a:schemeClr val="accent1"/>
-          </a:effectRef>
-          <a:fontRef idx="minor">
-            <a:schemeClr val="lt1"/>
-          </a:fontRef>
-        </p:style>
-        <p:txBody>
-          <a:bodyPr rtlCol="0" anchor="ctr"/>
-          <a:lstStyle/>
-          <a:p>
-            <a:pPr algn="ctr"/>
-            <a:endParaRPr lang="pt-BR"/>
-          </a:p>
-        </p:txBody>
-      </p:sp>
-      <p:sp>
-        <p:nvSpPr>
-          <p:cNvPr id="2" name="Título 1"/>
-          <p:cNvSpPr>
-            <a:spLocks noGrp="1"/>
-          </p:cNvSpPr>
-          <p:nvPr>
-            <p:ph type="ctrTitle"/>
-          </p:nvPr>
-        </p:nvSpPr>
-        <p:spPr>
-          <a:xfrm>
-            <a:off x="-4763" y="80449"/>
-            <a:ext cx="9725538" cy="1223237"/>
-          </a:xfrm>
-          <a:ln>
-            <a:noFill/>
-          </a:ln>
-          <a:effectLst>
-            <a:outerShdw blurRad="44450" dist="27940" dir="5400000" algn="ctr">
-              <a:schemeClr val="tx1">
-                <a:alpha val="32000"/>
-              </a:schemeClr>
-            </a:outerShdw>
-          </a:effectLst>
-          <a:scene3d>
-            <a:camera prst="orthographicFront">
-              <a:rot lat="0" lon="0" rev="0"/>
-            </a:camera>
-            <a:lightRig rig="balanced" dir="t">
-              <a:rot lat="0" lon="0" rev="8700000"/>
-            </a:lightRig>
-          </a:scene3d>
-          <a:sp3d>
-            <a:bevelT w="190500" h="38100"/>
-          </a:sp3d>
-        </p:spPr>
-        <p:txBody>
-          <a:bodyPr>
-            <a:noAutofit/>
-          </a:bodyPr>
-          <a:lstStyle/>
-          <a:p>
-            <a:pPr algn="l"/>
-            <a:r>
-              <a:rPr lang="pt-BR" sz="3600" dirty="0">
-                <a:solidFill>
-                  <a:schemeClr val="bg1"/>
-                </a:solidFill>
-                <a:latin typeface="Arial" panose="020B0604020202020204" pitchFamily="34" charset="0"/>
-                <a:cs typeface="Arial" panose="020B0604020202020204" pitchFamily="34" charset="0"/>
-              </a:rPr>
-              <a:t>Referencias Relativas Absolutas, e Mistas:</a:t>
-            </a:r>
-            <a:endParaRPr lang="pt-BR" sz="4400" dirty="0">
-              <a:solidFill>
-                <a:schemeClr val="bg1"/>
-              </a:solidFill>
-              <a:latin typeface="Arial" panose="020B0604020202020204" pitchFamily="34" charset="0"/>
-              <a:cs typeface="Arial" panose="020B0604020202020204" pitchFamily="34" charset="0"/>
-            </a:endParaRPr>
-          </a:p>
-        </p:txBody>
-      </p:sp>
-      <p:pic>
-        <p:nvPicPr>
-          <p:cNvPr id="9" name="Gráfico 8" descr="Frasco"/>
-          <p:cNvPicPr>
-            <a:picLocks noChangeAspect="1"/>
-          </p:cNvPicPr>
-          <p:nvPr/>
-        </p:nvPicPr>
-        <p:blipFill>
-          <a:blip r:embed="rId2">
-            <a:extLst>
-              <a:ext uri="{28A0092B-C50C-407E-A947-70E740481C1C}">
-                <a14:useLocalDpi xmlns:a14="http://schemas.microsoft.com/office/drawing/2010/main" val="0"/>
-              </a:ext>
-              <a:ext uri="{96DAC541-7B7A-43D3-8B79-37D633B846F1}">
-                <asvg:svgBlip xmlns:asvg="http://schemas.microsoft.com/office/drawing/2016/SVG/main" r:embed="rId3"/>
-              </a:ext>
-            </a:extLst>
-          </a:blip>
-          <a:stretch>
-            <a:fillRect/>
-          </a:stretch>
-        </p:blipFill>
-        <p:spPr>
-          <a:xfrm>
-            <a:off x="11051979" y="5262733"/>
-            <a:ext cx="1595267" cy="1595267"/>
-          </a:xfrm>
-          <a:prstGeom prst="rect">
-            <a:avLst/>
-          </a:prstGeom>
-          <a:ln>
-            <a:noFill/>
-          </a:ln>
-        </p:spPr>
-      </p:pic>
-      <p:pic>
-        <p:nvPicPr>
-          <p:cNvPr id="7" name="Imagem 6"/>
-          <p:cNvPicPr>
-            <a:picLocks noChangeAspect="1"/>
-          </p:cNvPicPr>
-          <p:nvPr/>
-        </p:nvPicPr>
-        <p:blipFill rotWithShape="1">
-          <a:blip r:embed="rId4"/>
-          <a:srcRect l="27001" t="34065" r="24768" b="23749"/>
-          <a:stretch/>
-        </p:blipFill>
-        <p:spPr>
-          <a:xfrm>
-            <a:off x="956603" y="1837326"/>
-            <a:ext cx="9791114" cy="4564019"/>
-          </a:xfrm>
-          <a:prstGeom prst="rect">
-            <a:avLst/>
-          </a:prstGeom>
-        </p:spPr>
-      </p:pic>
-    </p:spTree>
-    <p:extLst>
-      <p:ext uri="{BB962C8B-B14F-4D97-AF65-F5344CB8AC3E}">
-        <p14:creationId xmlns:p14="http://schemas.microsoft.com/office/powerpoint/2010/main" val="1376125711"/>
-      </p:ext>
-    </p:extLst>
-  </p:cSld>
-  <p:clrMapOvr>
-    <a:masterClrMapping/>
-  </p:clrMapOvr>
-  <mc:AlternateContent xmlns:mc="http://schemas.openxmlformats.org/markup-compatibility/2006" xmlns:p159="http://schemas.microsoft.com/office/powerpoint/2015/09/main">
-    <mc:Choice Requires="p159">
-      <p:transition xmlns:p14="http://schemas.microsoft.com/office/powerpoint/2010/main" spd="slow" p14:dur="2000">
-        <p159:morph option="byObject"/>
-      </p:transition>
-    </mc:Choice>
-    <mc:Fallback xmlns="">
-      <p:transition spd="slow">
-        <p:fade/>
-      </p:transition>
-    </mc:Fallback>
-  </mc:AlternateContent>
 </p:sld>
 </file>
 
